--- a/GA-project1/GA-project1.pptx
+++ b/GA-project1/GA-project1.pptx
@@ -7822,7 +7822,7 @@
         </p:nvSpPr>
         <p:spPr>
           <a:xfrm>
-            <a:off x="5559730" y="2583221"/>
+            <a:off x="5559730" y="4027968"/>
             <a:ext cx="5796020" cy="1350720"/>
           </a:xfrm>
           <a:prstGeom prst="rect">
@@ -7869,7 +7869,7 @@
                   <a:schemeClr val="tx1"/>
                 </a:solidFill>
               </a:rPr>
-              <a:t>16 states that fall within the red circle</a:t>
+              <a:t>9 states that fall within the red circle</a:t>
             </a:r>
           </a:p>
           <a:p>
@@ -7880,7 +7880,88 @@
                   <a:schemeClr val="tx1"/>
                 </a:solidFill>
               </a:rPr>
-              <a:t>California, Connecticut, District of Columbia, Georgia, Idaho, Indiana, Maryland, Massachusetts, Michigan, New Jersey, New York, Oregon, Texas, Vermont, Virginia, Washington</a:t>
+              <a:t>California, Georgia, Indiana, Maryland, Oregon, Texas, Vermont, Virginia </a:t>
+            </a:r>
+            <a:r>
+              <a:rPr lang="en-US" dirty="0" err="1">
+                <a:solidFill>
+                  <a:schemeClr val="tx1"/>
+                </a:solidFill>
+              </a:rPr>
+              <a:t>snd</a:t>
+            </a:r>
+            <a:r>
+              <a:rPr lang="en-US" dirty="0">
+                <a:solidFill>
+                  <a:schemeClr val="tx1"/>
+                </a:solidFill>
+              </a:rPr>
+              <a:t> Washington</a:t>
+            </a:r>
+          </a:p>
+        </p:txBody>
+      </p:sp>
+      <p:pic>
+        <p:nvPicPr>
+          <p:cNvPr id="3" name="Picture 2">
+            <a:extLst>
+              <a:ext uri="{FF2B5EF4-FFF2-40B4-BE49-F238E27FC236}">
+                <a16:creationId xmlns:a16="http://schemas.microsoft.com/office/drawing/2014/main" id="{5AF8CD28-2881-3D41-9574-D3DC135AE086}"/>
+              </a:ext>
+            </a:extLst>
+          </p:cNvPr>
+          <p:cNvPicPr>
+            <a:picLocks noChangeAspect="1"/>
+          </p:cNvPicPr>
+          <p:nvPr/>
+        </p:nvPicPr>
+        <p:blipFill>
+          <a:blip r:embed="rId5"/>
+          <a:stretch>
+            <a:fillRect/>
+          </a:stretch>
+        </p:blipFill>
+        <p:spPr>
+          <a:xfrm>
+            <a:off x="6354838" y="1041808"/>
+            <a:ext cx="4117900" cy="2200571"/>
+          </a:xfrm>
+          <a:prstGeom prst="rect">
+            <a:avLst/>
+          </a:prstGeom>
+        </p:spPr>
+      </p:pic>
+      <p:sp>
+        <p:nvSpPr>
+          <p:cNvPr id="10" name="TextBox 9">
+            <a:extLst>
+              <a:ext uri="{FF2B5EF4-FFF2-40B4-BE49-F238E27FC236}">
+                <a16:creationId xmlns:a16="http://schemas.microsoft.com/office/drawing/2014/main" id="{F64B2ADB-B217-414C-AA8E-A24BACFFDC21}"/>
+              </a:ext>
+            </a:extLst>
+          </p:cNvPr>
+          <p:cNvSpPr txBox="1"/>
+          <p:nvPr/>
+        </p:nvSpPr>
+        <p:spPr>
+          <a:xfrm>
+            <a:off x="6921061" y="3305889"/>
+            <a:ext cx="3391485" cy="246221"/>
+          </a:xfrm>
+          <a:prstGeom prst="rect">
+            <a:avLst/>
+          </a:prstGeom>
+          <a:noFill/>
+        </p:spPr>
+        <p:txBody>
+          <a:bodyPr wrap="square" rtlCol="0">
+            <a:spAutoFit/>
+          </a:bodyPr>
+          <a:lstStyle/>
+          <a:p>
+            <a:r>
+              <a:rPr lang="en-US" sz="1000" i="1" dirty="0"/>
+              <a:t>Fig.5. Targeted states that fall within the red circle</a:t>
             </a:r>
           </a:p>
         </p:txBody>
@@ -8243,7 +8324,23 @@
                   <a:schemeClr val="tx1"/>
                 </a:solidFill>
               </a:rPr>
-              <a:t>It is recommended that the resources should focus on the 16 states that have a slightly below average ACT participation rate where the College Board can have an agreement with the 16 states to have SAT mandatory for their college admissions to increase the </a:t>
+              <a:t>It is recommended that the resources should focus on the 16 states that have a slightly below average ACT participation rate where the College Board can have an agreement with </a:t>
+            </a:r>
+            <a:r>
+              <a:rPr lang="en-US" sz="2800" i="1">
+                <a:solidFill>
+                  <a:schemeClr val="tx1"/>
+                </a:solidFill>
+              </a:rPr>
+              <a:t>the 9 </a:t>
+            </a:r>
+            <a:r>
+              <a:rPr lang="en-US" sz="2800" i="1" dirty="0">
+                <a:solidFill>
+                  <a:schemeClr val="tx1"/>
+                </a:solidFill>
+              </a:rPr>
+              <a:t>states to have SAT mandatory for their college admissions to increase the </a:t>
             </a:r>
             <a:r>
               <a:rPr lang="en-US" sz="2800" i="1">

--- a/GA-project1/GA-project1.pptx
+++ b/GA-project1/GA-project1.pptx
@@ -8324,7 +8324,23 @@
                   <a:schemeClr val="tx1"/>
                 </a:solidFill>
               </a:rPr>
-              <a:t>It is recommended that the resources should focus on the 16 states that have a slightly below average ACT participation rate where the College Board can have an agreement with </a:t>
+              <a:t>It is recommended that the resources should focus on </a:t>
+            </a:r>
+            <a:r>
+              <a:rPr lang="en-US" sz="2800" i="1">
+                <a:solidFill>
+                  <a:schemeClr val="tx1"/>
+                </a:solidFill>
+              </a:rPr>
+              <a:t>the 9 </a:t>
+            </a:r>
+            <a:r>
+              <a:rPr lang="en-US" sz="2800" i="1" dirty="0">
+                <a:solidFill>
+                  <a:schemeClr val="tx1"/>
+                </a:solidFill>
+              </a:rPr>
+              <a:t>states that have a slightly below average ACT participation rate where the College Board can have an agreement with </a:t>
             </a:r>
             <a:r>
               <a:rPr lang="en-US" sz="2800" i="1">

--- a/GA-project1/GA-project1.pptx
+++ b/GA-project1/GA-project1.pptx
@@ -4997,7 +4997,7 @@
         </p:nvSpPr>
         <p:spPr>
           <a:xfrm>
-            <a:off x="64233" y="401161"/>
+            <a:off x="9803" y="324959"/>
             <a:ext cx="12192000" cy="6538265"/>
           </a:xfrm>
           <a:prstGeom prst="rect">
@@ -5725,7 +5725,7 @@
                   <a:schemeClr val="tx1"/>
                 </a:solidFill>
               </a:rPr>
-              <a:t>Which states have the highest ACT participation rate (normalized?</a:t>
+              <a:t>Which states have the highest ACT participation rate (normalized)?</a:t>
             </a:r>
           </a:p>
         </p:txBody>
@@ -7880,23 +7880,7 @@
                   <a:schemeClr val="tx1"/>
                 </a:solidFill>
               </a:rPr>
-              <a:t>California, Georgia, Indiana, Maryland, Oregon, Texas, Vermont, Virginia </a:t>
-            </a:r>
-            <a:r>
-              <a:rPr lang="en-US" dirty="0" err="1">
-                <a:solidFill>
-                  <a:schemeClr val="tx1"/>
-                </a:solidFill>
-              </a:rPr>
-              <a:t>snd</a:t>
-            </a:r>
-            <a:r>
-              <a:rPr lang="en-US" dirty="0">
-                <a:solidFill>
-                  <a:schemeClr val="tx1"/>
-                </a:solidFill>
-              </a:rPr>
-              <a:t> Washington</a:t>
+              <a:t>California, Georgia, Indiana, Maryland, Oregon, Texas, Vermont, Virginia and Washington</a:t>
             </a:r>
           </a:p>
         </p:txBody>
